--- a/markdown/files/slides/24.pptx
+++ b/markdown/files/slides/24.pptx
@@ -8457,7 +8457,7 @@
               <p:nvPr>
                 <p:extLst>
                   <p:ext uri="{D42A27DB-BD31-4B8C-83A1-F6EECF244321}">
-                    <p14:modId xmlns:p14="http://schemas.microsoft.com/office/powerpoint/2010/main" val="1880327900"/>
+                    <p14:modId xmlns:p14="http://schemas.microsoft.com/office/powerpoint/2010/main" val="4257064654"/>
                   </p:ext>
                 </p:extLst>
               </p:nvPr>
@@ -9095,7 +9095,7 @@
                               </a:solidFill>
                               <a:latin typeface="Lato" panose="020F0502020204030203" pitchFamily="34" charset="77"/>
                             </a:rPr>
-                            <a:t>0</a:t>
+                            <a:t>1</a:t>
                           </a:r>
                         </a:p>
                       </a:txBody>
@@ -9279,7 +9279,7 @@
                               </a:solidFill>
                               <a:latin typeface="Lato" panose="020F0502020204030203" pitchFamily="34" charset="77"/>
                             </a:rPr>
-                            <a:t>0</a:t>
+                            <a:t>1</a:t>
                           </a:r>
                         </a:p>
                       </a:txBody>
@@ -9536,7 +9536,7 @@
               <p:nvPr>
                 <p:extLst>
                   <p:ext uri="{D42A27DB-BD31-4B8C-83A1-F6EECF244321}">
-                    <p14:modId xmlns:p14="http://schemas.microsoft.com/office/powerpoint/2010/main" val="1880327900"/>
+                    <p14:modId xmlns:p14="http://schemas.microsoft.com/office/powerpoint/2010/main" val="4257064654"/>
                   </p:ext>
                 </p:extLst>
               </p:nvPr>
@@ -10072,7 +10072,7 @@
                               </a:solidFill>
                               <a:latin typeface="Lato" panose="020F0502020204030203" pitchFamily="34" charset="77"/>
                             </a:rPr>
-                            <a:t>0</a:t>
+                            <a:t>1</a:t>
                           </a:r>
                         </a:p>
                       </a:txBody>
@@ -10256,7 +10256,7 @@
                               </a:solidFill>
                               <a:latin typeface="Lato" panose="020F0502020204030203" pitchFamily="34" charset="77"/>
                             </a:rPr>
-                            <a:t>0</a:t>
+                            <a:t>1</a:t>
                           </a:r>
                         </a:p>
                       </a:txBody>

--- a/markdown/files/slides/24.pptx
+++ b/markdown/files/slides/24.pptx
@@ -224,7 +224,7 @@
           <a:p>
             <a:fld id="{0D7FFABE-B212-5F4F-8C26-F539B2DEA913}" type="datetimeFigureOut">
               <a:rPr lang="en-US" smtClean="0"/>
-              <a:t>11/23/25</a:t>
+              <a:t>11/25/25</a:t>
             </a:fld>
             <a:endParaRPr lang="en-US"/>
           </a:p>
@@ -729,7 +729,7 @@
           <a:p>
             <a:fld id="{A3AF8295-1801-B44D-A758-12B66076D675}" type="datetimeFigureOut">
               <a:rPr lang="en-US" smtClean="0"/>
-              <a:t>11/23/25</a:t>
+              <a:t>11/25/25</a:t>
             </a:fld>
             <a:endParaRPr lang="en-US"/>
           </a:p>
@@ -1045,7 +1045,7 @@
           <a:p>
             <a:fld id="{A3AF8295-1801-B44D-A758-12B66076D675}" type="datetimeFigureOut">
               <a:rPr lang="en-US" smtClean="0"/>
-              <a:t>11/23/25</a:t>
+              <a:t>11/25/25</a:t>
             </a:fld>
             <a:endParaRPr lang="en-US"/>
           </a:p>
@@ -1220,7 +1220,7 @@
           <a:p>
             <a:fld id="{A3AF8295-1801-B44D-A758-12B66076D675}" type="datetimeFigureOut">
               <a:rPr lang="en-US" smtClean="0"/>
-              <a:t>11/23/25</a:t>
+              <a:t>11/25/25</a:t>
             </a:fld>
             <a:endParaRPr lang="en-US"/>
           </a:p>
@@ -1429,7 +1429,7 @@
           <a:p>
             <a:fld id="{A3AF8295-1801-B44D-A758-12B66076D675}" type="datetimeFigureOut">
               <a:rPr lang="en-US" smtClean="0"/>
-              <a:t>11/23/25</a:t>
+              <a:t>11/25/25</a:t>
             </a:fld>
             <a:endParaRPr lang="en-US"/>
           </a:p>
@@ -1570,7 +1570,7 @@
           <a:p>
             <a:fld id="{A3AF8295-1801-B44D-A758-12B66076D675}" type="datetimeFigureOut">
               <a:rPr lang="en-US" smtClean="0"/>
-              <a:t>11/23/25</a:t>
+              <a:t>11/25/25</a:t>
             </a:fld>
             <a:endParaRPr lang="en-US"/>
           </a:p>
@@ -1683,7 +1683,7 @@
           <a:p>
             <a:fld id="{A3AF8295-1801-B44D-A758-12B66076D675}" type="datetimeFigureOut">
               <a:rPr lang="en-US" smtClean="0"/>
-              <a:t>11/23/25</a:t>
+              <a:t>11/25/25</a:t>
             </a:fld>
             <a:endParaRPr lang="en-US"/>
           </a:p>
@@ -1908,7 +1908,7 @@
           <a:p>
             <a:fld id="{A3AF8295-1801-B44D-A758-12B66076D675}" type="datetimeFigureOut">
               <a:rPr lang="en-US" smtClean="0"/>
-              <a:t>11/23/25</a:t>
+              <a:t>11/25/25</a:t>
             </a:fld>
             <a:endParaRPr lang="en-US"/>
           </a:p>
@@ -2457,8 +2457,8 @@
           </a:p>
         </p:txBody>
       </p:sp>
-      <mc:AlternateContent xmlns:mc="http://schemas.openxmlformats.org/markup-compatibility/2006">
-        <mc:Choice xmlns:a14="http://schemas.microsoft.com/office/drawing/2010/main" Requires="a14">
+      <mc:AlternateContent xmlns:mc="http://schemas.openxmlformats.org/markup-compatibility/2006" xmlns:a14="http://schemas.microsoft.com/office/drawing/2010/main">
+        <mc:Choice Requires="a14">
           <p:sp>
             <p:nvSpPr>
               <p:cNvPr id="3" name="Content Placeholder 2">
@@ -2662,7 +2662,7 @@
             </p:txBody>
           </p:sp>
         </mc:Choice>
-        <mc:Fallback>
+        <mc:Fallback xmlns="">
           <p:sp>
             <p:nvSpPr>
               <p:cNvPr id="3" name="Content Placeholder 2">
@@ -3467,8 +3467,8 @@
           </a:p>
         </p:txBody>
       </p:sp>
-      <mc:AlternateContent xmlns:mc="http://schemas.openxmlformats.org/markup-compatibility/2006">
-        <mc:Choice xmlns:a14="http://schemas.microsoft.com/office/drawing/2010/main" Requires="a14">
+      <mc:AlternateContent xmlns:mc="http://schemas.openxmlformats.org/markup-compatibility/2006" xmlns:a14="http://schemas.microsoft.com/office/drawing/2010/main">
+        <mc:Choice Requires="a14">
           <p:graphicFrame>
             <p:nvGraphicFramePr>
               <p:cNvPr id="4" name="Content Placeholder 3">
@@ -4969,7 +4969,7 @@
             </a:graphic>
           </p:graphicFrame>
         </mc:Choice>
-        <mc:Fallback>
+        <mc:Fallback xmlns="">
           <p:graphicFrame>
             <p:nvGraphicFramePr>
               <p:cNvPr id="4" name="Content Placeholder 3">
@@ -6396,8 +6396,8 @@
           </a:p>
         </p:txBody>
       </p:sp>
-      <mc:AlternateContent xmlns:mc="http://schemas.openxmlformats.org/markup-compatibility/2006">
-        <mc:Choice xmlns:a14="http://schemas.microsoft.com/office/drawing/2010/main" Requires="a14">
+      <mc:AlternateContent xmlns:mc="http://schemas.openxmlformats.org/markup-compatibility/2006" xmlns:a14="http://schemas.microsoft.com/office/drawing/2010/main">
+        <mc:Choice Requires="a14">
           <p:graphicFrame>
             <p:nvGraphicFramePr>
               <p:cNvPr id="6" name="Content Placeholder 3">
@@ -7461,7 +7461,7 @@
             </a:graphic>
           </p:graphicFrame>
         </mc:Choice>
-        <mc:Fallback>
+        <mc:Fallback xmlns="">
           <p:graphicFrame>
             <p:nvGraphicFramePr>
               <p:cNvPr id="6" name="Content Placeholder 3">
@@ -8440,8 +8440,8 @@
           </p:graphicFrame>
         </mc:Fallback>
       </mc:AlternateContent>
-      <mc:AlternateContent xmlns:mc="http://schemas.openxmlformats.org/markup-compatibility/2006">
-        <mc:Choice xmlns:a14="http://schemas.microsoft.com/office/drawing/2010/main" Requires="a14">
+      <mc:AlternateContent xmlns:mc="http://schemas.openxmlformats.org/markup-compatibility/2006" xmlns:a14="http://schemas.microsoft.com/office/drawing/2010/main">
+        <mc:Choice Requires="a14">
           <p:graphicFrame>
             <p:nvGraphicFramePr>
               <p:cNvPr id="7" name="Content Placeholder 3">
@@ -9520,7 +9520,7 @@
             </a:graphic>
           </p:graphicFrame>
         </mc:Choice>
-        <mc:Fallback>
+        <mc:Fallback xmlns="">
           <p:graphicFrame>
             <p:nvGraphicFramePr>
               <p:cNvPr id="7" name="Content Placeholder 3">
@@ -10498,8 +10498,8 @@
           </p:graphicFrame>
         </mc:Fallback>
       </mc:AlternateContent>
-      <mc:AlternateContent xmlns:mc="http://schemas.openxmlformats.org/markup-compatibility/2006">
-        <mc:Choice xmlns:a14="http://schemas.microsoft.com/office/drawing/2010/main" Requires="a14">
+      <mc:AlternateContent xmlns:mc="http://schemas.openxmlformats.org/markup-compatibility/2006" xmlns:a14="http://schemas.microsoft.com/office/drawing/2010/main">
+        <mc:Choice Requires="a14">
           <p:graphicFrame>
             <p:nvGraphicFramePr>
               <p:cNvPr id="8" name="Table 7">
@@ -10984,7 +10984,7 @@
             </a:graphic>
           </p:graphicFrame>
         </mc:Choice>
-        <mc:Fallback>
+        <mc:Fallback xmlns="">
           <p:graphicFrame>
             <p:nvGraphicFramePr>
               <p:cNvPr id="8" name="Table 7">
@@ -11618,8 +11618,8 @@
           </a:p>
         </p:txBody>
       </p:sp>
-      <mc:AlternateContent xmlns:mc="http://schemas.openxmlformats.org/markup-compatibility/2006">
-        <mc:Choice xmlns:a14="http://schemas.microsoft.com/office/drawing/2010/main" Requires="a14">
+      <mc:AlternateContent xmlns:mc="http://schemas.openxmlformats.org/markup-compatibility/2006" xmlns:a14="http://schemas.microsoft.com/office/drawing/2010/main">
+        <mc:Choice Requires="a14">
           <p:graphicFrame>
             <p:nvGraphicFramePr>
               <p:cNvPr id="6" name="Content Placeholder 3">
@@ -12683,7 +12683,7 @@
             </a:graphic>
           </p:graphicFrame>
         </mc:Choice>
-        <mc:Fallback>
+        <mc:Fallback xmlns="">
           <p:graphicFrame>
             <p:nvGraphicFramePr>
               <p:cNvPr id="6" name="Content Placeholder 3">
@@ -13662,8 +13662,8 @@
           </p:graphicFrame>
         </mc:Fallback>
       </mc:AlternateContent>
-      <mc:AlternateContent xmlns:mc="http://schemas.openxmlformats.org/markup-compatibility/2006">
-        <mc:Choice xmlns:a14="http://schemas.microsoft.com/office/drawing/2010/main" Requires="a14">
+      <mc:AlternateContent xmlns:mc="http://schemas.openxmlformats.org/markup-compatibility/2006" xmlns:a14="http://schemas.microsoft.com/office/drawing/2010/main">
+        <mc:Choice Requires="a14">
           <p:graphicFrame>
             <p:nvGraphicFramePr>
               <p:cNvPr id="9" name="Content Placeholder 3">
@@ -14726,7 +14726,7 @@
             </a:graphic>
           </p:graphicFrame>
         </mc:Choice>
-        <mc:Fallback>
+        <mc:Fallback xmlns="">
           <p:graphicFrame>
             <p:nvGraphicFramePr>
               <p:cNvPr id="9" name="Content Placeholder 3">
@@ -15704,8 +15704,8 @@
           </p:graphicFrame>
         </mc:Fallback>
       </mc:AlternateContent>
-      <mc:AlternateContent xmlns:mc="http://schemas.openxmlformats.org/markup-compatibility/2006">
-        <mc:Choice xmlns:a14="http://schemas.microsoft.com/office/drawing/2010/main" Requires="a14">
+      <mc:AlternateContent xmlns:mc="http://schemas.openxmlformats.org/markup-compatibility/2006" xmlns:a14="http://schemas.microsoft.com/office/drawing/2010/main">
+        <mc:Choice Requires="a14">
           <p:graphicFrame>
             <p:nvGraphicFramePr>
               <p:cNvPr id="10" name="Content Placeholder 3">
@@ -16768,7 +16768,7 @@
             </a:graphic>
           </p:graphicFrame>
         </mc:Choice>
-        <mc:Fallback>
+        <mc:Fallback xmlns="">
           <p:graphicFrame>
             <p:nvGraphicFramePr>
               <p:cNvPr id="10" name="Content Placeholder 3">
@@ -18198,6 +18198,13 @@
                         <a:latin typeface="Cambria Math" panose="02040503050406030204" pitchFamily="18" charset="0"/>
                         <a:ea typeface="Cambria Math" panose="02040503050406030204" pitchFamily="18" charset="0"/>
                       </a:rPr>
+                      <m:t>¬</m:t>
+                    </m:r>
+                    <m:r>
+                      <a:rPr lang="en-US" i="1">
+                        <a:latin typeface="Cambria Math" panose="02040503050406030204" pitchFamily="18" charset="0"/>
+                        <a:ea typeface="Cambria Math" panose="02040503050406030204" pitchFamily="18" charset="0"/>
+                      </a:rPr>
                       <m:t>𝑎</m:t>
                     </m:r>
                     <m:r>
@@ -18205,7 +18212,7 @@
                         <a:latin typeface="Cambria Math" panose="02040503050406030204" pitchFamily="18" charset="0"/>
                         <a:ea typeface="Cambria Math" panose="02040503050406030204" pitchFamily="18" charset="0"/>
                       </a:rPr>
-                      <m:t>∨¬</m:t>
+                      <m:t>∨</m:t>
                     </m:r>
                     <m:r>
                       <a:rPr lang="en-US" i="1">
@@ -18267,8 +18274,8 @@
           </p:sp>
         </mc:Fallback>
       </mc:AlternateContent>
-      <mc:AlternateContent xmlns:mc="http://schemas.openxmlformats.org/markup-compatibility/2006">
-        <mc:Choice xmlns:a14="http://schemas.microsoft.com/office/drawing/2010/main" Requires="a14">
+      <mc:AlternateContent xmlns:mc="http://schemas.openxmlformats.org/markup-compatibility/2006" xmlns:a14="http://schemas.microsoft.com/office/drawing/2010/main">
+        <mc:Choice Requires="a14">
           <p:graphicFrame>
             <p:nvGraphicFramePr>
               <p:cNvPr id="4" name="Content Placeholder 3">
@@ -19331,7 +19338,7 @@
             </a:graphic>
           </p:graphicFrame>
         </mc:Choice>
-        <mc:Fallback>
+        <mc:Fallback xmlns="">
           <p:graphicFrame>
             <p:nvGraphicFramePr>
               <p:cNvPr id="4" name="Content Placeholder 3">
@@ -20460,7 +20467,7 @@
               <p:nvPr>
                 <p:extLst>
                   <p:ext uri="{D42A27DB-BD31-4B8C-83A1-F6EECF244321}">
-                    <p14:modId xmlns:p14="http://schemas.microsoft.com/office/powerpoint/2010/main" val="1307378898"/>
+                    <p14:modId xmlns:p14="http://schemas.microsoft.com/office/powerpoint/2010/main" val="779153020"/>
                   </p:ext>
                 </p:extLst>
               </p:nvPr>
@@ -20691,14 +20698,14 @@
                                 <m:t>¬</m:t>
                               </m:r>
                               <m:r>
-                                <a:rPr lang="en-US" sz="2800" i="1" smtClean="0">
+                                <a:rPr lang="en-US" sz="2800" b="0" i="1" smtClean="0">
                                   <a:solidFill>
                                     <a:schemeClr val="tx1"/>
                                   </a:solidFill>
                                   <a:latin typeface="Cambria Math" panose="02040503050406030204" pitchFamily="18" charset="0"/>
                                   <a:ea typeface="Cambria Math" panose="02040503050406030204" pitchFamily="18" charset="0"/>
                                 </a:rPr>
-                                <m:t>𝑏</m:t>
+                                <m:t>𝑎</m:t>
                               </m:r>
                             </m:oMath>
                           </a14:m>
@@ -20777,6 +20784,16 @@
                                   <a:latin typeface="Cambria Math" panose="02040503050406030204" pitchFamily="18" charset="0"/>
                                   <a:ea typeface="Cambria Math" panose="02040503050406030204" pitchFamily="18" charset="0"/>
                                 </a:rPr>
+                                <m:t>¬</m:t>
+                              </m:r>
+                              <m:r>
+                                <a:rPr lang="en-US" sz="2800" i="1" smtClean="0">
+                                  <a:solidFill>
+                                    <a:schemeClr val="tx1"/>
+                                  </a:solidFill>
+                                  <a:latin typeface="Cambria Math" panose="02040503050406030204" pitchFamily="18" charset="0"/>
+                                  <a:ea typeface="Cambria Math" panose="02040503050406030204" pitchFamily="18" charset="0"/>
+                                </a:rPr>
                                 <m:t>𝑎</m:t>
                               </m:r>
                               <m:r>
@@ -20787,7 +20804,7 @@
                                   <a:latin typeface="Cambria Math" panose="02040503050406030204" pitchFamily="18" charset="0"/>
                                   <a:ea typeface="Cambria Math" panose="02040503050406030204" pitchFamily="18" charset="0"/>
                                 </a:rPr>
-                                <m:t>∨¬</m:t>
+                                <m:t>∨</m:t>
                               </m:r>
                               <m:r>
                                 <a:rPr lang="en-US" sz="2800" i="1" smtClean="0">
@@ -21256,7 +21273,7 @@
                               </a:solidFill>
                               <a:latin typeface="Lato" panose="020F0502020204030203" pitchFamily="34" charset="77"/>
                             </a:rPr>
-                            <a:t>0</a:t>
+                            <a:t>1</a:t>
                           </a:r>
                         </a:p>
                       </a:txBody>
@@ -21499,7 +21516,7 @@
                               </a:solidFill>
                               <a:latin typeface="Lato" panose="020F0502020204030203" pitchFamily="34" charset="77"/>
                             </a:rPr>
-                            <a:t>1</a:t>
+                            <a:t>0</a:t>
                           </a:r>
                         </a:p>
                       </a:txBody>
@@ -21874,7 +21891,7 @@
               <p:nvPr>
                 <p:extLst>
                   <p:ext uri="{D42A27DB-BD31-4B8C-83A1-F6EECF244321}">
-                    <p14:modId xmlns:p14="http://schemas.microsoft.com/office/powerpoint/2010/main" val="1307378898"/>
+                    <p14:modId xmlns:p14="http://schemas.microsoft.com/office/powerpoint/2010/main" val="779153020"/>
                   </p:ext>
                 </p:extLst>
               </p:nvPr>
@@ -22529,7 +22546,7 @@
                               </a:solidFill>
                               <a:latin typeface="Lato" panose="020F0502020204030203" pitchFamily="34" charset="77"/>
                             </a:rPr>
-                            <a:t>0</a:t>
+                            <a:t>1</a:t>
                           </a:r>
                         </a:p>
                       </a:txBody>
@@ -22772,7 +22789,7 @@
                               </a:solidFill>
                               <a:latin typeface="Lato" panose="020F0502020204030203" pitchFamily="34" charset="77"/>
                             </a:rPr>
-                            <a:t>1</a:t>
+                            <a:t>0</a:t>
                           </a:r>
                         </a:p>
                       </a:txBody>
@@ -23412,8 +23429,8 @@
           </a:p>
         </p:txBody>
       </p:sp>
-      <mc:AlternateContent xmlns:mc="http://schemas.openxmlformats.org/markup-compatibility/2006">
-        <mc:Choice xmlns:a14="http://schemas.microsoft.com/office/drawing/2010/main" Requires="a14">
+      <mc:AlternateContent xmlns:mc="http://schemas.openxmlformats.org/markup-compatibility/2006" xmlns:a14="http://schemas.microsoft.com/office/drawing/2010/main">
+        <mc:Choice Requires="a14">
           <p:sp>
             <p:nvSpPr>
               <p:cNvPr id="3" name="Content Placeholder 2">
@@ -23557,7 +23574,7 @@
             </p:txBody>
           </p:sp>
         </mc:Choice>
-        <mc:Fallback>
+        <mc:Fallback xmlns="">
           <p:sp>
             <p:nvSpPr>
               <p:cNvPr id="3" name="Content Placeholder 2">
@@ -23597,8 +23614,8 @@
           </p:sp>
         </mc:Fallback>
       </mc:AlternateContent>
-      <mc:AlternateContent xmlns:mc="http://schemas.openxmlformats.org/markup-compatibility/2006">
-        <mc:Choice xmlns:a14="http://schemas.microsoft.com/office/drawing/2010/main" Requires="a14">
+      <mc:AlternateContent xmlns:mc="http://schemas.openxmlformats.org/markup-compatibility/2006" xmlns:a14="http://schemas.microsoft.com/office/drawing/2010/main">
+        <mc:Choice Requires="a14">
           <p:graphicFrame>
             <p:nvGraphicFramePr>
               <p:cNvPr id="4" name="Content Placeholder 3">
@@ -25075,7 +25092,7 @@
             </a:graphic>
           </p:graphicFrame>
         </mc:Choice>
-        <mc:Fallback>
+        <mc:Fallback xmlns="">
           <p:graphicFrame>
             <p:nvGraphicFramePr>
               <p:cNvPr id="4" name="Content Placeholder 3">
@@ -26349,8 +26366,8 @@
           </p:graphicFrame>
         </mc:Fallback>
       </mc:AlternateContent>
-      <mc:AlternateContent xmlns:mc="http://schemas.openxmlformats.org/markup-compatibility/2006">
-        <mc:Choice xmlns:a14="http://schemas.microsoft.com/office/drawing/2010/main" Requires="a14">
+      <mc:AlternateContent xmlns:mc="http://schemas.openxmlformats.org/markup-compatibility/2006" xmlns:a14="http://schemas.microsoft.com/office/drawing/2010/main">
+        <mc:Choice Requires="a14">
           <p:graphicFrame>
             <p:nvGraphicFramePr>
               <p:cNvPr id="5" name="Content Placeholder 3">
@@ -28167,7 +28184,7 @@
             </a:graphic>
           </p:graphicFrame>
         </mc:Choice>
-        <mc:Fallback>
+        <mc:Fallback xmlns="">
           <p:graphicFrame>
             <p:nvGraphicFramePr>
               <p:cNvPr id="5" name="Content Placeholder 3">
@@ -30039,8 +30056,8 @@
           </a:p>
         </p:txBody>
       </p:sp>
-      <mc:AlternateContent xmlns:mc="http://schemas.openxmlformats.org/markup-compatibility/2006">
-        <mc:Choice xmlns:a14="http://schemas.microsoft.com/office/drawing/2010/main" Requires="a14">
+      <mc:AlternateContent xmlns:mc="http://schemas.openxmlformats.org/markup-compatibility/2006" xmlns:a14="http://schemas.microsoft.com/office/drawing/2010/main">
+        <mc:Choice Requires="a14">
           <p:sp>
             <p:nvSpPr>
               <p:cNvPr id="3" name="Content Placeholder 2">
@@ -30214,7 +30231,7 @@
             </p:txBody>
           </p:sp>
         </mc:Choice>
-        <mc:Fallback>
+        <mc:Fallback xmlns="">
           <p:sp>
             <p:nvSpPr>
               <p:cNvPr id="3" name="Content Placeholder 2">
@@ -33868,6 +33885,16 @@
                 <a14:m>
                   <m:oMath xmlns:m="http://schemas.openxmlformats.org/officeDocument/2006/math">
                     <m:r>
+                      <a:rPr lang="en-US" b="1" i="1">
+                        <a:solidFill>
+                          <a:schemeClr val="accent1"/>
+                        </a:solidFill>
+                        <a:latin typeface="Cambria Math" panose="02040503050406030204" pitchFamily="18" charset="0"/>
+                        <a:ea typeface="Cambria Math" panose="02040503050406030204" pitchFamily="18" charset="0"/>
+                      </a:rPr>
+                      <m:t>¬</m:t>
+                    </m:r>
+                    <m:r>
                       <a:rPr lang="en-US" b="1" i="1" smtClean="0">
                         <a:solidFill>
                           <a:schemeClr val="accent1"/>
@@ -33885,7 +33912,7 @@
                         <a:latin typeface="Cambria Math" panose="02040503050406030204" pitchFamily="18" charset="0"/>
                         <a:ea typeface="Cambria Math" panose="02040503050406030204" pitchFamily="18" charset="0"/>
                       </a:rPr>
-                      <m:t>∨¬</m:t>
+                      <m:t>∨</m:t>
                     </m:r>
                     <m:r>
                       <a:rPr lang="en-US" b="1" i="1" smtClean="0">
@@ -35013,8 +35040,8 @@
           </a:p>
         </p:txBody>
       </p:sp>
-      <mc:AlternateContent xmlns:mc="http://schemas.openxmlformats.org/markup-compatibility/2006">
-        <mc:Choice xmlns:a14="http://schemas.microsoft.com/office/drawing/2010/main" Requires="a14">
+      <mc:AlternateContent xmlns:mc="http://schemas.openxmlformats.org/markup-compatibility/2006" xmlns:a14="http://schemas.microsoft.com/office/drawing/2010/main">
+        <mc:Choice Requires="a14">
           <p:sp>
             <p:nvSpPr>
               <p:cNvPr id="3" name="Content Placeholder 2">
@@ -35436,7 +35463,7 @@
             </p:txBody>
           </p:sp>
         </mc:Choice>
-        <mc:Fallback>
+        <mc:Fallback xmlns="">
           <p:sp>
             <p:nvSpPr>
               <p:cNvPr id="3" name="Content Placeholder 2">
@@ -35703,8 +35730,8 @@
           </a:p>
         </p:txBody>
       </p:sp>
-      <mc:AlternateContent xmlns:mc="http://schemas.openxmlformats.org/markup-compatibility/2006">
-        <mc:Choice xmlns:a14="http://schemas.microsoft.com/office/drawing/2010/main" Requires="a14">
+      <mc:AlternateContent xmlns:mc="http://schemas.openxmlformats.org/markup-compatibility/2006" xmlns:a14="http://schemas.microsoft.com/office/drawing/2010/main">
+        <mc:Choice Requires="a14">
           <p:sp>
             <p:nvSpPr>
               <p:cNvPr id="5" name="TextBox 4">
@@ -36147,7 +36174,7 @@
             </p:txBody>
           </p:sp>
         </mc:Choice>
-        <mc:Fallback>
+        <mc:Fallback xmlns="">
           <p:sp>
             <p:nvSpPr>
               <p:cNvPr id="5" name="TextBox 4">
@@ -38488,8 +38515,8 @@
           </a:p>
         </p:txBody>
       </p:sp>
-      <mc:AlternateContent xmlns:mc="http://schemas.openxmlformats.org/markup-compatibility/2006">
-        <mc:Choice xmlns:a14="http://schemas.microsoft.com/office/drawing/2010/main" Requires="a14">
+      <mc:AlternateContent xmlns:mc="http://schemas.openxmlformats.org/markup-compatibility/2006" xmlns:a14="http://schemas.microsoft.com/office/drawing/2010/main">
+        <mc:Choice Requires="a14">
           <p:sp>
             <p:nvSpPr>
               <p:cNvPr id="3" name="Content Placeholder 2">
@@ -38590,7 +38617,7 @@
             </p:txBody>
           </p:sp>
         </mc:Choice>
-        <mc:Fallback>
+        <mc:Fallback xmlns="">
           <p:sp>
             <p:nvSpPr>
               <p:cNvPr id="3" name="Content Placeholder 2">
@@ -38773,8 +38800,8 @@
           </a:p>
         </p:txBody>
       </p:sp>
-      <mc:AlternateContent xmlns:mc="http://schemas.openxmlformats.org/markup-compatibility/2006">
-        <mc:Choice xmlns:a14="http://schemas.microsoft.com/office/drawing/2010/main" Requires="a14">
+      <mc:AlternateContent xmlns:mc="http://schemas.openxmlformats.org/markup-compatibility/2006" xmlns:a14="http://schemas.microsoft.com/office/drawing/2010/main">
+        <mc:Choice Requires="a14">
           <p:sp>
             <p:nvSpPr>
               <p:cNvPr id="3" name="Content Placeholder 2">
@@ -38849,7 +38876,7 @@
             </p:txBody>
           </p:sp>
         </mc:Choice>
-        <mc:Fallback>
+        <mc:Fallback xmlns="">
           <p:sp>
             <p:nvSpPr>
               <p:cNvPr id="3" name="Content Placeholder 2">
@@ -39026,8 +39053,8 @@
           </a:p>
         </p:txBody>
       </p:sp>
-      <mc:AlternateContent xmlns:mc="http://schemas.openxmlformats.org/markup-compatibility/2006">
-        <mc:Choice xmlns:a14="http://schemas.microsoft.com/office/drawing/2010/main" Requires="a14">
+      <mc:AlternateContent xmlns:mc="http://schemas.openxmlformats.org/markup-compatibility/2006" xmlns:a14="http://schemas.microsoft.com/office/drawing/2010/main">
+        <mc:Choice Requires="a14">
           <p:sp>
             <p:nvSpPr>
               <p:cNvPr id="3" name="Content Placeholder 2">
@@ -39461,7 +39488,7 @@
             </p:txBody>
           </p:sp>
         </mc:Choice>
-        <mc:Fallback>
+        <mc:Fallback xmlns="">
           <p:sp>
             <p:nvSpPr>
               <p:cNvPr id="3" name="Content Placeholder 2">
